--- a/21-proofs2/lec.pptx
+++ b/21-proofs2/lec.pptx
@@ -6539,11 +6539,32 @@
               <a:t>forall</a:t>
             </a:r>
             <a:r>
+              <a:rPr lang="en-US" sz="3600">
+                <a:latin typeface="Cronos Pro" panose="020C0502030403020304" pitchFamily="34" charset="77"/>
+                <a:cs typeface="Courier"/>
+              </a:rPr>
+              <a:t> k, P(k) </a:t>
+            </a:r>
+            <a:r>
               <a:rPr lang="en-US" sz="3600" dirty="0">
                 <a:latin typeface="Cronos Pro" panose="020C0502030403020304" pitchFamily="34" charset="77"/>
                 <a:cs typeface="Courier"/>
               </a:rPr>
-              <a:t> n, P(n) implies P(n+1))</a:t>
+              <a:t>implies </a:t>
+            </a:r>
+            <a:r>
+              <a:rPr lang="en-US" sz="3600">
+                <a:latin typeface="Cronos Pro" panose="020C0502030403020304" pitchFamily="34" charset="77"/>
+                <a:cs typeface="Courier"/>
+              </a:rPr>
+              <a:t>P(k+</a:t>
+            </a:r>
+            <a:r>
+              <a:rPr lang="en-US" sz="3600" dirty="0">
+                <a:latin typeface="Cronos Pro" panose="020C0502030403020304" pitchFamily="34" charset="77"/>
+                <a:cs typeface="Courier"/>
+              </a:rPr>
+              <a:t>1))</a:t>
             </a:r>
           </a:p>
           <a:p>
@@ -9337,7 +9358,7 @@
                 <a:latin typeface="Cronos Pro" panose="020C0502030403020304" pitchFamily="34" charset="77"/>
                 <a:cs typeface="Courier"/>
               </a:rPr>
-              <a:t>  and </a:t>
+              <a:t>  and (</a:t>
             </a:r>
             <a:r>
               <a:rPr lang="en-US" dirty="0" err="1">
@@ -9398,58 +9419,70 @@
                 <a:latin typeface="Cronos Pro" panose="020C0502030403020304" pitchFamily="34" charset="77"/>
                 <a:cs typeface="Courier"/>
               </a:rPr>
-              <a:t>, (</a:t>
-            </a:r>
-            <a:r>
-              <a:rPr lang="en-US" dirty="0">
-                <a:solidFill>
-                  <a:srgbClr val="F79646"/>
-                </a:solidFill>
+              <a:t>, </a:t>
+            </a:r>
+          </a:p>
+          <a:p>
+            <a:pPr marL="0" indent="0">
+              <a:buNone/>
+            </a:pPr>
+            <a:r>
+              <a:rPr lang="en-US" dirty="0">
                 <a:latin typeface="Cronos Pro" panose="020C0502030403020304" pitchFamily="34" charset="77"/>
                 <a:cs typeface="Courier"/>
               </a:rPr>
-              <a:t>P(l)</a:t>
-            </a:r>
-            <a:r>
-              <a:rPr lang="en-US" dirty="0">
+              <a:t>    (</a:t>
+            </a:r>
+            <a:r>
+              <a:rPr lang="en-US" dirty="0">
+                <a:solidFill>
+                  <a:srgbClr val="F79646"/>
+                </a:solidFill>
                 <a:latin typeface="Cronos Pro" panose="020C0502030403020304" pitchFamily="34" charset="77"/>
                 <a:cs typeface="Courier"/>
               </a:rPr>
-              <a:t> and </a:t>
-            </a:r>
-            <a:r>
-              <a:rPr lang="en-US" dirty="0">
-                <a:solidFill>
-                  <a:srgbClr val="F79646"/>
-                </a:solidFill>
+              <a:t>P(l)</a:t>
+            </a:r>
+            <a:r>
+              <a:rPr lang="en-US" dirty="0">
                 <a:latin typeface="Cronos Pro" panose="020C0502030403020304" pitchFamily="34" charset="77"/>
                 <a:cs typeface="Courier"/>
               </a:rPr>
-              <a:t>P(r)</a:t>
-            </a:r>
-            <a:r>
-              <a:rPr lang="en-US" dirty="0">
+              <a:t> and </a:t>
+            </a:r>
+            <a:r>
+              <a:rPr lang="en-US" dirty="0">
+                <a:solidFill>
+                  <a:srgbClr val="F79646"/>
+                </a:solidFill>
                 <a:latin typeface="Cronos Pro" panose="020C0502030403020304" pitchFamily="34" charset="77"/>
                 <a:cs typeface="Courier"/>
               </a:rPr>
-              <a:t>) implies P(</a:t>
-            </a:r>
-            <a:r>
-              <a:rPr lang="en-US" dirty="0">
-                <a:solidFill>
-                  <a:srgbClr val="F79646"/>
-                </a:solidFill>
+              <a:t>P(r)</a:t>
+            </a:r>
+            <a:r>
+              <a:rPr lang="en-US" dirty="0">
                 <a:latin typeface="Cronos Pro" panose="020C0502030403020304" pitchFamily="34" charset="77"/>
                 <a:cs typeface="Courier"/>
               </a:rPr>
-              <a:t>Node (l, v, r)</a:t>
-            </a:r>
-            <a:r>
-              <a:rPr lang="en-US" dirty="0">
+              <a:t>) implies P(</a:t>
+            </a:r>
+            <a:r>
+              <a:rPr lang="en-US" dirty="0">
+                <a:solidFill>
+                  <a:srgbClr val="F79646"/>
+                </a:solidFill>
                 <a:latin typeface="Cronos Pro" panose="020C0502030403020304" pitchFamily="34" charset="77"/>
                 <a:cs typeface="Courier"/>
               </a:rPr>
-              <a:t>)</a:t>
+              <a:t>Node (l, v, r)</a:t>
+            </a:r>
+            <a:r>
+              <a:rPr lang="en-US" dirty="0">
+                <a:latin typeface="Cronos Pro" panose="020C0502030403020304" pitchFamily="34" charset="77"/>
+                <a:cs typeface="Courier"/>
+              </a:rPr>
+              <a:t>))</a:t>
             </a:r>
           </a:p>
           <a:p>
@@ -9502,7 +9535,7 @@
         </p:blipFill>
         <p:spPr>
           <a:xfrm>
-            <a:off x="5076522" y="3863181"/>
+            <a:off x="5442565" y="4046061"/>
             <a:ext cx="3610278" cy="2710486"/>
           </a:xfrm>
           <a:prstGeom prst="rect">
